--- a/uploads/slides.pptx
+++ b/uploads/slides.pptx
@@ -14192,23 +14192,6 @@
             <a:endParaRPr/>
           </a:p>
           <a:p>
-            <a:pPr indent="-317500" lvl="1" marL="914400" rtl="0" algn="l">
-              <a:spcBef>
-                <a:spcPts val="0"/>
-              </a:spcBef>
-              <a:spcAft>
-                <a:spcPts val="0"/>
-              </a:spcAft>
-              <a:buSzPts val="1400"/>
-              <a:buChar char="○"/>
-            </a:pPr>
-            <a:r>
-              <a:rPr lang="en"/>
-              <a:t>Vulnerability assessments on USAF Officer Personnel App, Intelligence System, DMVA network</a:t>
-            </a:r>
-            <a:endParaRPr/>
-          </a:p>
-          <a:p>
             <a:pPr indent="0" lvl="0" marL="0" rtl="0" algn="l">
               <a:spcBef>
                 <a:spcPts val="1200"/>
